--- a/Deutsch/Vlajic_Iphigeni-auf-Tauris.pptx
+++ b/Deutsch/Vlajic_Iphigeni-auf-Tauris.pptx
@@ -180,7 +180,7 @@
           <a:p>
             <a:fld id="{3690E19C-E529-428D-A53F-0F79AA45E5E2}" type="datetimeFigureOut">
               <a:rPr lang="de-DE" smtClean="0"/>
-              <a:t>28.02.2023</a:t>
+              <a:t>01.03.2023</a:t>
             </a:fld>
             <a:endParaRPr lang="de-DE"/>
           </a:p>
@@ -421,7 +421,7 @@
           <a:p>
             <a:fld id="{3690E19C-E529-428D-A53F-0F79AA45E5E2}" type="datetimeFigureOut">
               <a:rPr lang="de-DE" smtClean="0"/>
-              <a:t>28.02.2023</a:t>
+              <a:t>01.03.2023</a:t>
             </a:fld>
             <a:endParaRPr lang="de-DE"/>
           </a:p>
@@ -1284,12 +1284,6 @@
 <file path=ppt/slides/slide6.xml><?xml version="1.0" encoding="utf-8"?>
 <p:sld xmlns:a="http://schemas.openxmlformats.org/drawingml/2006/main" xmlns:r="http://schemas.openxmlformats.org/officeDocument/2006/relationships" xmlns:p="http://schemas.openxmlformats.org/presentationml/2006/main">
   <p:cSld>
-    <p:bg>
-      <p:bgPr>
-        <a:noFill/>
-        <a:effectLst/>
-      </p:bgPr>
-    </p:bg>
     <p:spTree>
       <p:nvGrpSpPr>
         <p:cNvPr id="1" name=""/>
@@ -1309,7 +1303,7 @@
           <p:cNvPr id="2" name="Titel 1" hidden="1">
             <a:extLst>
               <a:ext uri="{FF2B5EF4-FFF2-40B4-BE49-F238E27FC236}">
-                <a16:creationId xmlns:a16="http://schemas.microsoft.com/office/drawing/2014/main" id="{E9D71504-BE21-528B-CF9D-85DB8AE667CB}"/>
+                <a16:creationId xmlns:a16="http://schemas.microsoft.com/office/drawing/2014/main" id="{9D8098AF-6D01-6F84-915D-1282DAC38B13}"/>
               </a:ext>
             </a:extLst>
           </p:cNvPr>
@@ -1327,9 +1321,14 @@
           <a:p>
             <a:pPr rtl="0"/>
             <a:r>
+              <a:rPr lang="de-AT"/>
+              <a:t>I</a:t>
+            </a:r>
+            <a:r>
               <a:rPr lang="de-DE"/>
-              <a:t>Vielen Dank</a:t>
+              <a:t>phigenie auf Tauris</a:t>
             </a:r>
+            <a:endParaRPr lang="de-DE" dirty="0"/>
           </a:p>
         </p:txBody>
       </p:sp>
@@ -1338,7 +1337,7 @@
           <p:cNvPr id="3" name="Grafik 2">
             <a:extLst>
               <a:ext uri="{FF2B5EF4-FFF2-40B4-BE49-F238E27FC236}">
-                <a16:creationId xmlns:a16="http://schemas.microsoft.com/office/drawing/2014/main" id="{96D8058C-C9A0-E462-9D17-A52B940B7375}"/>
+                <a16:creationId xmlns:a16="http://schemas.microsoft.com/office/drawing/2014/main" id="{1FED1ABA-0006-2BA3-07C7-CF0695B3B334}"/>
               </a:ext>
             </a:extLst>
           </p:cNvPr>
@@ -1364,7 +1363,7 @@
     </p:spTree>
     <p:extLst>
       <p:ext uri="{BB962C8B-B14F-4D97-AF65-F5344CB8AC3E}">
-        <p14:creationId xmlns:p14="http://schemas.microsoft.com/office/powerpoint/2010/main" val="672172623"/>
+        <p14:creationId xmlns:p14="http://schemas.microsoft.com/office/powerpoint/2010/main" val="3143273013"/>
       </p:ext>
     </p:extLst>
   </p:cSld>
